--- a/論文/figures/snapshots.pptx
+++ b/論文/figures/snapshots.pptx
@@ -250,7 +250,7 @@
           <a:p>
             <a:fld id="{9A6F05D6-4815-4D41-8255-913DB112E6D5}" type="datetimeFigureOut">
               <a:rPr kumimoji="1" lang="ja-JP" altLang="en-US" smtClean="0"/>
-              <a:t>2019/7/5</a:t>
+              <a:t>2019/7/12</a:t>
             </a:fld>
             <a:endParaRPr kumimoji="1" lang="ja-JP" altLang="en-US"/>
           </a:p>
@@ -452,7 +452,7 @@
           <a:p>
             <a:fld id="{9A6F05D6-4815-4D41-8255-913DB112E6D5}" type="datetimeFigureOut">
               <a:rPr kumimoji="1" lang="ja-JP" altLang="en-US" smtClean="0"/>
-              <a:t>2019/7/5</a:t>
+              <a:t>2019/7/12</a:t>
             </a:fld>
             <a:endParaRPr kumimoji="1" lang="ja-JP" altLang="en-US"/>
           </a:p>
@@ -664,7 +664,7 @@
           <a:p>
             <a:fld id="{9A6F05D6-4815-4D41-8255-913DB112E6D5}" type="datetimeFigureOut">
               <a:rPr kumimoji="1" lang="ja-JP" altLang="en-US" smtClean="0"/>
-              <a:t>2019/7/5</a:t>
+              <a:t>2019/7/12</a:t>
             </a:fld>
             <a:endParaRPr kumimoji="1" lang="ja-JP" altLang="en-US"/>
           </a:p>
@@ -866,7 +866,7 @@
           <a:p>
             <a:fld id="{9A6F05D6-4815-4D41-8255-913DB112E6D5}" type="datetimeFigureOut">
               <a:rPr kumimoji="1" lang="ja-JP" altLang="en-US" smtClean="0"/>
-              <a:t>2019/7/5</a:t>
+              <a:t>2019/7/12</a:t>
             </a:fld>
             <a:endParaRPr kumimoji="1" lang="ja-JP" altLang="en-US"/>
           </a:p>
@@ -1110,7 +1110,7 @@
           <a:p>
             <a:fld id="{9A6F05D6-4815-4D41-8255-913DB112E6D5}" type="datetimeFigureOut">
               <a:rPr kumimoji="1" lang="ja-JP" altLang="en-US" smtClean="0"/>
-              <a:t>2019/7/5</a:t>
+              <a:t>2019/7/12</a:t>
             </a:fld>
             <a:endParaRPr kumimoji="1" lang="ja-JP" altLang="en-US"/>
           </a:p>
@@ -1406,7 +1406,7 @@
           <a:p>
             <a:fld id="{9A6F05D6-4815-4D41-8255-913DB112E6D5}" type="datetimeFigureOut">
               <a:rPr kumimoji="1" lang="ja-JP" altLang="en-US" smtClean="0"/>
-              <a:t>2019/7/5</a:t>
+              <a:t>2019/7/12</a:t>
             </a:fld>
             <a:endParaRPr kumimoji="1" lang="ja-JP" altLang="en-US"/>
           </a:p>
@@ -1837,7 +1837,7 @@
           <a:p>
             <a:fld id="{9A6F05D6-4815-4D41-8255-913DB112E6D5}" type="datetimeFigureOut">
               <a:rPr kumimoji="1" lang="ja-JP" altLang="en-US" smtClean="0"/>
-              <a:t>2019/7/5</a:t>
+              <a:t>2019/7/12</a:t>
             </a:fld>
             <a:endParaRPr kumimoji="1" lang="ja-JP" altLang="en-US"/>
           </a:p>
@@ -1955,7 +1955,7 @@
           <a:p>
             <a:fld id="{9A6F05D6-4815-4D41-8255-913DB112E6D5}" type="datetimeFigureOut">
               <a:rPr kumimoji="1" lang="ja-JP" altLang="en-US" smtClean="0"/>
-              <a:t>2019/7/5</a:t>
+              <a:t>2019/7/12</a:t>
             </a:fld>
             <a:endParaRPr kumimoji="1" lang="ja-JP" altLang="en-US"/>
           </a:p>
@@ -2050,7 +2050,7 @@
           <a:p>
             <a:fld id="{9A6F05D6-4815-4D41-8255-913DB112E6D5}" type="datetimeFigureOut">
               <a:rPr kumimoji="1" lang="ja-JP" altLang="en-US" smtClean="0"/>
-              <a:t>2019/7/5</a:t>
+              <a:t>2019/7/12</a:t>
             </a:fld>
             <a:endParaRPr kumimoji="1" lang="ja-JP" altLang="en-US"/>
           </a:p>
@@ -2359,7 +2359,7 @@
           <a:p>
             <a:fld id="{9A6F05D6-4815-4D41-8255-913DB112E6D5}" type="datetimeFigureOut">
               <a:rPr kumimoji="1" lang="ja-JP" altLang="en-US" smtClean="0"/>
-              <a:t>2019/7/5</a:t>
+              <a:t>2019/7/12</a:t>
             </a:fld>
             <a:endParaRPr kumimoji="1" lang="ja-JP" altLang="en-US"/>
           </a:p>
@@ -2616,7 +2616,7 @@
           <a:p>
             <a:fld id="{9A6F05D6-4815-4D41-8255-913DB112E6D5}" type="datetimeFigureOut">
               <a:rPr kumimoji="1" lang="ja-JP" altLang="en-US" smtClean="0"/>
-              <a:t>2019/7/5</a:t>
+              <a:t>2019/7/12</a:t>
             </a:fld>
             <a:endParaRPr kumimoji="1" lang="ja-JP" altLang="en-US"/>
           </a:p>
@@ -2861,7 +2861,7 @@
           <a:p>
             <a:fld id="{9A6F05D6-4815-4D41-8255-913DB112E6D5}" type="datetimeFigureOut">
               <a:rPr kumimoji="1" lang="ja-JP" altLang="en-US" smtClean="0"/>
-              <a:t>2019/7/5</a:t>
+              <a:t>2019/7/12</a:t>
             </a:fld>
             <a:endParaRPr kumimoji="1" lang="ja-JP" altLang="en-US"/>
           </a:p>
